--- a/Angular Best Practies.pptx
+++ b/Angular Best Practies.pptx
@@ -228,7 +228,7 @@
           <a:p>
             <a:fld id="{B5A4B202-3D27-4FD4-ADEF-31155498BB93}" type="datetimeFigureOut">
               <a:rPr lang="en-US" smtClean="0"/>
-              <a:t>5/27/2022</a:t>
+              <a:t>10/12/2023</a:t>
             </a:fld>
             <a:endParaRPr lang="en-US"/>
           </a:p>
@@ -16263,6 +16263,13 @@
               <a:rPr lang="en" dirty="0" smtClean="0"/>
               <a:t>27-05-2021</a:t>
             </a:r>
+          </a:p>
+          <a:p>
+            <a:pPr marL="0" indent="0"/>
+            <a:r>
+              <a:rPr lang="en" dirty="0" smtClean="0"/>
+              <a:t>Author: Nguyen Le Hong Trieu</a:t>
+            </a:r>
             <a:endParaRPr dirty="0"/>
           </a:p>
         </p:txBody>
@@ -28003,7 +28010,7 @@
                 <a:hlinkClick r:id="rId3">
                   <a:extLst>
                     <a:ext uri="{A12FA001-AC4F-418D-AE19-62706E023703}">
-                      <ahyp:hlinkClr xmlns="" xmlns:mc="http://schemas.openxmlformats.org/markup-compatibility/2006" xmlns:mv="urn:schemas-microsoft-com:mac:vml" xmlns:c="http://schemas.openxmlformats.org/drawingml/2006/chart" xmlns:dgm="http://schemas.openxmlformats.org/drawingml/2006/diagram" xmlns:o="urn:schemas-microsoft-com:office:office" xmlns:v="urn:schemas-microsoft-com:vml" xmlns:pvml="urn:schemas-microsoft-com:office:powerpoint" xmlns:com="http://schemas.openxmlformats.org/drawingml/2006/compatibility" xmlns:p14="http://schemas.microsoft.com/office/powerpoint/2010/main" xmlns:p15="http://schemas.microsoft.com/office/powerpoint/2012/main" xmlns:ahyp="http://schemas.microsoft.com/office/drawing/2018/hyperlinkcolor" val="tx"/>
+                      <ahyp:hlinkClr xmlns:ahyp="http://schemas.microsoft.com/office/drawing/2018/hyperlinkcolor" xmlns:p15="http://schemas.microsoft.com/office/powerpoint/2012/main" xmlns:p14="http://schemas.microsoft.com/office/powerpoint/2010/main" xmlns:com="http://schemas.openxmlformats.org/drawingml/2006/compatibility" xmlns:pvml="urn:schemas-microsoft-com:office:powerpoint" xmlns:v="urn:schemas-microsoft-com:vml" xmlns:o="urn:schemas-microsoft-com:office:office" xmlns:dgm="http://schemas.openxmlformats.org/drawingml/2006/diagram" xmlns:c="http://schemas.openxmlformats.org/drawingml/2006/chart" xmlns:mv="urn:schemas-microsoft-com:mac:vml" xmlns:mc="http://schemas.openxmlformats.org/markup-compatibility/2006" xmlns="" val="tx"/>
                     </a:ext>
                   </a:extLst>
                 </a:hlinkClick>
